--- a/Presentation/demonstration.pptx
+++ b/Presentation/demonstration.pptx
@@ -116,6 +116,11 @@
       </a:defRPr>
     </a:lvl9pPr>
   </p:defaultTextStyle>
+  <p:extLst>
+    <p:ext uri="{EFAFB233-063F-42B5-8137-9DF3F51BA10A}">
+      <p15:sldGuideLst xmlns:p15="http://schemas.microsoft.com/office/powerpoint/2012/main"/>
+    </p:ext>
+  </p:extLst>
 </p:presentation>
 </file>
 
@@ -4097,7 +4102,7 @@
         </p:blipFill>
         <p:spPr bwMode="auto">
           <a:xfrm>
-            <a:off x="181234" y="2381124"/>
+            <a:off x="5882778" y="2432399"/>
             <a:ext cx="5828261" cy="3907078"/>
           </a:xfrm>
           <a:prstGeom prst="rect">
@@ -4135,7 +4140,7 @@
         </p:blipFill>
         <p:spPr bwMode="auto">
           <a:xfrm>
-            <a:off x="6182505" y="2381139"/>
+            <a:off x="54517" y="2400352"/>
             <a:ext cx="5828261" cy="3907047"/>
           </a:xfrm>
           <a:prstGeom prst="rect">
@@ -5405,6 +5410,51 @@
           </a:bodyPr>
           <a:lstStyle/>
           <a:p>
+            <a:pPr marL="0" marR="0" lvl="0" indent="0">
+              <a:spcBef>
+                <a:spcPts val="0"/>
+              </a:spcBef>
+              <a:spcAft>
+                <a:spcPts val="0"/>
+              </a:spcAft>
+              <a:buSzPts val="1000"/>
+              <a:buNone/>
+              <a:tabLst>
+                <a:tab pos="457200" algn="l"/>
+              </a:tabLst>
+            </a:pPr>
+            <a:r>
+              <a:rPr lang="en-US" sz="2200" kern="0" dirty="0">
+                <a:effectLst/>
+                <a:latin typeface="Times New Roman" panose="02020603050405020304" pitchFamily="18" charset="0"/>
+                <a:ea typeface="Times New Roman" panose="02020603050405020304" pitchFamily="18" charset="0"/>
+                <a:cs typeface="Times New Roman" panose="02020603050405020304" pitchFamily="18" charset="0"/>
+              </a:rPr>
+              <a:t>In summary, our benchmarking tests have yielded several key findings.</a:t>
+            </a:r>
+          </a:p>
+          <a:p>
+            <a:pPr marL="0" marR="0" lvl="0" indent="0">
+              <a:spcBef>
+                <a:spcPts val="0"/>
+              </a:spcBef>
+              <a:spcAft>
+                <a:spcPts val="0"/>
+              </a:spcAft>
+              <a:buSzPts val="1000"/>
+              <a:buNone/>
+              <a:tabLst>
+                <a:tab pos="457200" algn="l"/>
+              </a:tabLst>
+            </a:pPr>
+            <a:endParaRPr lang="en-US" sz="2200" kern="100" dirty="0">
+              <a:effectLst/>
+              <a:latin typeface="Times New Roman" panose="02020603050405020304" pitchFamily="18" charset="0"/>
+              <a:ea typeface="Calibri" panose="020F0502020204030204" pitchFamily="34" charset="0"/>
+              <a:cs typeface="Times New Roman" panose="02020603050405020304" pitchFamily="18" charset="0"/>
+            </a:endParaRPr>
+          </a:p>
+          <a:p>
             <a:pPr marL="342900" marR="0" lvl="0" indent="-342900">
               <a:spcBef>
                 <a:spcPts val="0"/>
@@ -5426,7 +5476,7 @@
                 <a:ea typeface="Times New Roman" panose="02020603050405020304" pitchFamily="18" charset="0"/>
                 <a:cs typeface="Times New Roman" panose="02020603050405020304" pitchFamily="18" charset="0"/>
               </a:rPr>
-              <a:t>"In summary, our benchmarking tests have yielded several key findings."</a:t>
+              <a:t>"First, we observed that AES outperformed other symmetric key algorithms in terms of speed and efficiency."</a:t>
             </a:r>
             <a:endParaRPr lang="en-US" sz="2200" kern="100" dirty="0">
               <a:effectLst/>
@@ -5457,7 +5507,7 @@
                 <a:ea typeface="Times New Roman" panose="02020603050405020304" pitchFamily="18" charset="0"/>
                 <a:cs typeface="Times New Roman" panose="02020603050405020304" pitchFamily="18" charset="0"/>
               </a:rPr>
-              <a:t>"First, we observed that AES outperformed other symmetric key algorithms in terms of speed and efficiency."</a:t>
+              <a:t>"Second, ECC demonstrated excellent performance for resource-constrained environments, making it a strong candidate for IoT applications."</a:t>
             </a:r>
             <a:endParaRPr lang="en-US" sz="2200" kern="100" dirty="0">
               <a:effectLst/>
@@ -5488,7 +5538,7 @@
                 <a:ea typeface="Times New Roman" panose="02020603050405020304" pitchFamily="18" charset="0"/>
                 <a:cs typeface="Times New Roman" panose="02020603050405020304" pitchFamily="18" charset="0"/>
               </a:rPr>
-              <a:t>"Second, ECC demonstrated excellent performance for resource-constrained environments, making it a strong candidate for IoT applications."</a:t>
+              <a:t>"However, it's important to note that no single algorithm is a one-size-fits-all solution. The choice of algorithm should align with specific security and performance requirements."</a:t>
             </a:r>
             <a:endParaRPr lang="en-US" sz="2200" kern="100" dirty="0">
               <a:effectLst/>
@@ -5519,38 +5569,7 @@
                 <a:ea typeface="Times New Roman" panose="02020603050405020304" pitchFamily="18" charset="0"/>
                 <a:cs typeface="Times New Roman" panose="02020603050405020304" pitchFamily="18" charset="0"/>
               </a:rPr>
-              <a:t>"However, it's important to note that no single algorithm is a one-size-fits-all solution. The choice of algorithm should align with specific security and performance requirements."</a:t>
-            </a:r>
-            <a:endParaRPr lang="en-US" sz="2200" kern="100" dirty="0">
-              <a:effectLst/>
-              <a:latin typeface="Times New Roman" panose="02020603050405020304" pitchFamily="18" charset="0"/>
-              <a:ea typeface="Calibri" panose="020F0502020204030204" pitchFamily="34" charset="0"/>
-              <a:cs typeface="Times New Roman" panose="02020603050405020304" pitchFamily="18" charset="0"/>
-            </a:endParaRPr>
-          </a:p>
-          <a:p>
-            <a:pPr marL="342900" marR="0" lvl="0" indent="-342900">
-              <a:spcBef>
-                <a:spcPts val="0"/>
-              </a:spcBef>
-              <a:spcAft>
-                <a:spcPts val="0"/>
-              </a:spcAft>
-              <a:buSzPts val="1000"/>
-              <a:buFont typeface="Symbol" panose="05050102010706020507" pitchFamily="18" charset="2"/>
-              <a:buChar char=""/>
-              <a:tabLst>
-                <a:tab pos="457200" algn="l"/>
-              </a:tabLst>
-            </a:pPr>
-            <a:r>
-              <a:rPr lang="en-US" sz="2200" kern="0" dirty="0">
-                <a:effectLst/>
-                <a:latin typeface="Times New Roman" panose="02020603050405020304" pitchFamily="18" charset="0"/>
-                <a:ea typeface="Times New Roman" panose="02020603050405020304" pitchFamily="18" charset="0"/>
-                <a:cs typeface="Times New Roman" panose="02020603050405020304" pitchFamily="18" charset="0"/>
-              </a:rPr>
-              <a:t>"Additionally, we identified certain limitations in our research, including..."</a:t>
+              <a:t>"Additionally, we identified certain limitations in our research"</a:t>
             </a:r>
             <a:endParaRPr lang="en-US" sz="2200" kern="100" dirty="0">
               <a:effectLst/>
@@ -6037,11 +6056,11 @@
         </p:spPr>
         <p:txBody>
           <a:bodyPr anchor="t">
-            <a:normAutofit/>
+            <a:normAutofit lnSpcReduction="10000"/>
           </a:bodyPr>
           <a:lstStyle/>
           <a:p>
-            <a:pPr marL="342900" marR="0" lvl="0" indent="-342900">
+            <a:pPr marL="0" marR="0" lvl="0" indent="0">
               <a:spcBef>
                 <a:spcPts val="0"/>
               </a:spcBef>
@@ -6049,8 +6068,7 @@
                 <a:spcPts val="0"/>
               </a:spcAft>
               <a:buSzPts val="1000"/>
-              <a:buFont typeface="Symbol" panose="05050102010706020507" pitchFamily="18" charset="2"/>
-              <a:buChar char=""/>
+              <a:buNone/>
               <a:tabLst>
                 <a:tab pos="457200" algn="l"/>
               </a:tabLst>
@@ -6062,8 +6080,23 @@
                 <a:ea typeface="Times New Roman" panose="02020603050405020304" pitchFamily="18" charset="0"/>
                 <a:cs typeface="Times New Roman" panose="02020603050405020304" pitchFamily="18" charset="0"/>
               </a:rPr>
-              <a:t>"Based on our findings, we have several recommendations."</a:t>
-            </a:r>
+              <a:t>Based on our findings, we have several recommendations.</a:t>
+            </a:r>
+          </a:p>
+          <a:p>
+            <a:pPr marL="0" marR="0" lvl="0" indent="0">
+              <a:spcBef>
+                <a:spcPts val="0"/>
+              </a:spcBef>
+              <a:spcAft>
+                <a:spcPts val="0"/>
+              </a:spcAft>
+              <a:buSzPts val="1000"/>
+              <a:buNone/>
+              <a:tabLst>
+                <a:tab pos="457200" algn="l"/>
+              </a:tabLst>
+            </a:pPr>
             <a:endParaRPr lang="en-US" sz="2000" kern="100" dirty="0">
               <a:effectLst/>
               <a:latin typeface="Times New Roman" panose="02020603050405020304" pitchFamily="18" charset="0"/>
@@ -6875,13 +6908,14 @@
             </a:endParaRPr>
           </a:p>
           <a:p>
-            <a:pPr marL="0" marR="0">
+            <a:pPr marL="0" marR="0" indent="0">
               <a:spcBef>
                 <a:spcPts val="0"/>
               </a:spcBef>
               <a:spcAft>
                 <a:spcPts val="800"/>
               </a:spcAft>
+              <a:buNone/>
             </a:pPr>
             <a:r>
               <a:rPr lang="en-US" sz="1600" i="0" kern="100" dirty="0">
